--- a/Documentos/Desenvolvimento de plataforma web para gestão de finanças.pptx
+++ b/Documentos/Desenvolvimento de plataforma web para gestão de finanças.pptx
@@ -268,6 +268,96 @@
     </p:ext>
   </p:extLst>
 </p:presentation>
+</file>
+
+<file path=ppt/revisionInfo.xml><?xml version="1.0" encoding="utf-8"?>
+<p1510:revInfo xmlns:a="http://schemas.openxmlformats.org/drawingml/2006/main" xmlns:r="http://schemas.openxmlformats.org/officeDocument/2006/relationships" xmlns:p1510="http://schemas.microsoft.com/office/powerpoint/2015/10/main">
+  <p1510:revLst>
+    <p1510:client id="{EC9736A9-1385-4D35-B9B7-C50CC0FB558B}" v="2" dt="2023-09-16T17:16:55.417"/>
+  </p1510:revLst>
+</p1510:revInfo>
+</file>
+
+<file path=ppt/changesInfos/changesInfo1.xml><?xml version="1.0" encoding="utf-8"?>
+<pc:chgInfo xmlns:a="http://schemas.openxmlformats.org/drawingml/2006/main" xmlns:r="http://schemas.openxmlformats.org/officeDocument/2006/relationships" xmlns:ac="http://schemas.microsoft.com/office/drawing/2013/main/command" xmlns:pc="http://schemas.microsoft.com/office/powerpoint/2013/main/command">
+  <pc:docChgLst>
+    <pc:chgData name="lucas delfini" userId="2127a8de6bb5953d" providerId="LiveId" clId="{EC9736A9-1385-4D35-B9B7-C50CC0FB558B}"/>
+    <pc:docChg chg="custSel modSld">
+      <pc:chgData name="lucas delfini" userId="2127a8de6bb5953d" providerId="LiveId" clId="{EC9736A9-1385-4D35-B9B7-C50CC0FB558B}" dt="2023-09-16T17:17:46.929" v="15" actId="1076"/>
+      <pc:docMkLst>
+        <pc:docMk/>
+      </pc:docMkLst>
+      <pc:sldChg chg="modSp mod">
+        <pc:chgData name="lucas delfini" userId="2127a8de6bb5953d" providerId="LiveId" clId="{EC9736A9-1385-4D35-B9B7-C50CC0FB558B}" dt="2023-09-16T17:16:42.677" v="10" actId="20577"/>
+        <pc:sldMkLst>
+          <pc:docMk/>
+          <pc:sldMk cId="0" sldId="261"/>
+        </pc:sldMkLst>
+        <pc:spChg chg="mod">
+          <ac:chgData name="lucas delfini" userId="2127a8de6bb5953d" providerId="LiveId" clId="{EC9736A9-1385-4D35-B9B7-C50CC0FB558B}" dt="2023-09-16T17:16:42.677" v="10" actId="20577"/>
+          <ac:spMkLst>
+            <pc:docMk/>
+            <pc:sldMk cId="0" sldId="261"/>
+            <ac:spMk id="17" creationId="{308487D9-6E65-E1CC-1507-C9AB37C3A75B}"/>
+          </ac:spMkLst>
+        </pc:spChg>
+      </pc:sldChg>
+      <pc:sldChg chg="delSp modSp">
+        <pc:chgData name="lucas delfini" userId="2127a8de6bb5953d" providerId="LiveId" clId="{EC9736A9-1385-4D35-B9B7-C50CC0FB558B}" dt="2023-09-16T17:16:55.417" v="12" actId="1076"/>
+        <pc:sldMkLst>
+          <pc:docMk/>
+          <pc:sldMk cId="0" sldId="262"/>
+        </pc:sldMkLst>
+        <pc:picChg chg="mod">
+          <ac:chgData name="lucas delfini" userId="2127a8de6bb5953d" providerId="LiveId" clId="{EC9736A9-1385-4D35-B9B7-C50CC0FB558B}" dt="2023-09-16T17:16:55.417" v="12" actId="1076"/>
+          <ac:picMkLst>
+            <pc:docMk/>
+            <pc:sldMk cId="0" sldId="262"/>
+            <ac:picMk id="6146" creationId="{D2B9CB63-A251-12F7-D79A-D2FCBBB8F37F}"/>
+          </ac:picMkLst>
+        </pc:picChg>
+        <pc:picChg chg="del">
+          <ac:chgData name="lucas delfini" userId="2127a8de6bb5953d" providerId="LiveId" clId="{EC9736A9-1385-4D35-B9B7-C50CC0FB558B}" dt="2023-09-16T17:16:52.670" v="11" actId="478"/>
+          <ac:picMkLst>
+            <pc:docMk/>
+            <pc:sldMk cId="0" sldId="262"/>
+            <ac:picMk id="6148" creationId="{2D23C93B-9846-0A49-03EE-8BC7F2BD9D92}"/>
+          </ac:picMkLst>
+        </pc:picChg>
+      </pc:sldChg>
+      <pc:sldChg chg="modSp mod">
+        <pc:chgData name="lucas delfini" userId="2127a8de6bb5953d" providerId="LiveId" clId="{EC9736A9-1385-4D35-B9B7-C50CC0FB558B}" dt="2023-09-16T17:17:46.929" v="15" actId="1076"/>
+        <pc:sldMkLst>
+          <pc:docMk/>
+          <pc:sldMk cId="0" sldId="263"/>
+        </pc:sldMkLst>
+        <pc:spChg chg="mod">
+          <ac:chgData name="lucas delfini" userId="2127a8de6bb5953d" providerId="LiveId" clId="{EC9736A9-1385-4D35-B9B7-C50CC0FB558B}" dt="2023-09-16T17:17:46.929" v="15" actId="1076"/>
+          <ac:spMkLst>
+            <pc:docMk/>
+            <pc:sldMk cId="0" sldId="263"/>
+            <ac:spMk id="99" creationId="{00000000-0000-0000-0000-000000000000}"/>
+          </ac:spMkLst>
+        </pc:spChg>
+      </pc:sldChg>
+      <pc:sldChg chg="modSp mod">
+        <pc:chgData name="lucas delfini" userId="2127a8de6bb5953d" providerId="LiveId" clId="{EC9736A9-1385-4D35-B9B7-C50CC0FB558B}" dt="2023-09-16T17:17:20.706" v="14" actId="33524"/>
+        <pc:sldMkLst>
+          <pc:docMk/>
+          <pc:sldMk cId="0" sldId="264"/>
+        </pc:sldMkLst>
+        <pc:spChg chg="mod">
+          <ac:chgData name="lucas delfini" userId="2127a8de6bb5953d" providerId="LiveId" clId="{EC9736A9-1385-4D35-B9B7-C50CC0FB558B}" dt="2023-09-16T17:17:20.706" v="14" actId="33524"/>
+          <ac:spMkLst>
+            <pc:docMk/>
+            <pc:sldMk cId="0" sldId="264"/>
+            <ac:spMk id="105" creationId="{00000000-0000-0000-0000-000000000000}"/>
+          </ac:spMkLst>
+        </pc:spChg>
+      </pc:sldChg>
+    </pc:docChg>
+  </pc:docChgLst>
+</pc:chgInfo>
 </file>
 
 <file path=ppt/notesMasters/notesMaster1.xml><?xml version="1.0" encoding="utf-8"?>
@@ -11373,7 +11463,7 @@
             </a:pPr>
             <a:r>
               <a:rPr lang="pt-BR" sz="1400" dirty="0"/>
-              <a:t>Aplicação web </a:t>
+              <a:t>Aplicação web/Mobile </a:t>
             </a:r>
           </a:p>
           <a:p>
@@ -12458,55 +12548,8 @@
         </p:blipFill>
         <p:spPr bwMode="auto">
           <a:xfrm>
-            <a:off x="3081393" y="3726873"/>
+            <a:off x="3414906" y="3753599"/>
             <a:ext cx="555454" cy="577743"/>
-          </a:xfrm>
-          <a:prstGeom prst="rect">
-            <a:avLst/>
-          </a:prstGeom>
-          <a:noFill/>
-          <a:extLst>
-            <a:ext uri="{909E8E84-426E-40DD-AFC4-6F175D3DCCD1}">
-              <a14:hiddenFill xmlns:a14="http://schemas.microsoft.com/office/drawing/2010/main">
-                <a:solidFill>
-                  <a:srgbClr val="FFFFFF"/>
-                </a:solidFill>
-              </a14:hiddenFill>
-            </a:ext>
-          </a:extLst>
-        </p:spPr>
-      </p:pic>
-      <p:pic>
-        <p:nvPicPr>
-          <p:cNvPr id="6148" name="Picture 4" descr="Microsoft Apps">
-            <a:extLst>
-              <a:ext uri="{FF2B5EF4-FFF2-40B4-BE49-F238E27FC236}">
-                <a16:creationId xmlns:a16="http://schemas.microsoft.com/office/drawing/2014/main" id="{2D23C93B-9846-0A49-03EE-8BC7F2BD9D92}"/>
-              </a:ext>
-            </a:extLst>
-          </p:cNvPr>
-          <p:cNvPicPr>
-            <a:picLocks noChangeAspect="1" noChangeArrowheads="1"/>
-          </p:cNvPicPr>
-          <p:nvPr/>
-        </p:nvPicPr>
-        <p:blipFill>
-          <a:blip r:embed="rId14">
-            <a:extLst>
-              <a:ext uri="{28A0092B-C50C-407E-A947-70E740481C1C}">
-                <a14:useLocalDpi xmlns:a14="http://schemas.microsoft.com/office/drawing/2010/main" val="0"/>
-              </a:ext>
-            </a:extLst>
-          </a:blip>
-          <a:srcRect/>
-          <a:stretch>
-            <a:fillRect/>
-          </a:stretch>
-        </p:blipFill>
-        <p:spPr bwMode="auto">
-          <a:xfrm>
-            <a:off x="3743206" y="3749162"/>
-            <a:ext cx="555454" cy="555454"/>
           </a:xfrm>
           <a:prstGeom prst="rect">
             <a:avLst/>
@@ -12579,7 +12622,7 @@
           <p:nvPr/>
         </p:nvPicPr>
         <p:blipFill>
-          <a:blip r:embed="rId15">
+          <a:blip r:embed="rId14">
             <a:extLst>
               <a:ext uri="{28A0092B-C50C-407E-A947-70E740481C1C}">
                 <a14:useLocalDpi xmlns:a14="http://schemas.microsoft.com/office/drawing/2010/main" val="0"/>
@@ -12626,7 +12669,7 @@
           <p:nvPr/>
         </p:nvPicPr>
         <p:blipFill>
-          <a:blip r:embed="rId16">
+          <a:blip r:embed="rId15">
             <a:extLst>
               <a:ext uri="{28A0092B-C50C-407E-A947-70E740481C1C}">
                 <a14:useLocalDpi xmlns:a14="http://schemas.microsoft.com/office/drawing/2010/main" val="0"/>
@@ -12695,7 +12738,7 @@
         </p:nvSpPr>
         <p:spPr>
           <a:xfrm>
-            <a:off x="311700" y="2100492"/>
+            <a:off x="311700" y="1754129"/>
             <a:ext cx="8520600" cy="1330476"/>
           </a:xfrm>
           <a:prstGeom prst="rect">
@@ -13320,22 +13363,6 @@
             </a:pPr>
             <a:r>
               <a:rPr lang="pt-BR" dirty="0"/>
-              <a:t>Realizada a implantação e validação </a:t>
-            </a:r>
-            <a:r>
-              <a:rPr lang="pt-BR"/>
-              <a:t>do OCR;</a:t>
-            </a:r>
-            <a:endParaRPr lang="pt-BR" dirty="0"/>
-          </a:p>
-          <a:p>
-            <a:pPr marL="742950" indent="-285750">
-              <a:spcAft>
-                <a:spcPts val="1200"/>
-              </a:spcAft>
-            </a:pPr>
-            <a:r>
-              <a:rPr lang="pt-BR" dirty="0"/>
               <a:t>Desenvolvido o plano de validação para as funcionalidades da aplicação;</a:t>
             </a:r>
           </a:p>
@@ -13347,7 +13374,7 @@
             </a:pPr>
             <a:r>
               <a:rPr lang="pt-BR" dirty="0"/>
-              <a:t>Inicio do desenvolvimento:</a:t>
+              <a:t>Início do desenvolvimento:</a:t>
             </a:r>
           </a:p>
           <a:p>
